--- a/Language_Study/C/PPT/알고리즘 스터디 - 정렬, 이분탐색, 자료구조-리스트.pptx
+++ b/Language_Study/C/PPT/알고리즘 스터디 - 정렬, 이분탐색, 자료구조-리스트.pptx
@@ -331,7 +331,7 @@
                 </a:solidFill>
               </a:rPr>
               <a:pPr/>
-              <a:t>2021-05-17</a:t>
+              <a:t>2021-05-25</a:t>
             </a:fld>
             <a:endParaRPr lang="ko-KR" altLang="en-US">
               <a:solidFill>
@@ -531,7 +531,7 @@
                 </a:solidFill>
               </a:rPr>
               <a:pPr/>
-              <a:t>2021-05-17</a:t>
+              <a:t>2021-05-25</a:t>
             </a:fld>
             <a:endParaRPr lang="ko-KR" altLang="en-US">
               <a:solidFill>
@@ -741,7 +741,7 @@
                 </a:solidFill>
               </a:rPr>
               <a:pPr/>
-              <a:t>2021-05-17</a:t>
+              <a:t>2021-05-25</a:t>
             </a:fld>
             <a:endParaRPr lang="ko-KR" altLang="en-US">
               <a:solidFill>
@@ -941,7 +941,7 @@
                 </a:solidFill>
               </a:rPr>
               <a:pPr/>
-              <a:t>2021-05-17</a:t>
+              <a:t>2021-05-25</a:t>
             </a:fld>
             <a:endParaRPr lang="ko-KR" altLang="en-US">
               <a:solidFill>
@@ -1218,7 +1218,7 @@
                 </a:solidFill>
               </a:rPr>
               <a:pPr/>
-              <a:t>2021-05-17</a:t>
+              <a:t>2021-05-25</a:t>
             </a:fld>
             <a:endParaRPr lang="ko-KR" altLang="en-US">
               <a:solidFill>
@@ -1479,7 +1479,7 @@
                 </a:solidFill>
               </a:rPr>
               <a:pPr/>
-              <a:t>2021-05-17</a:t>
+              <a:t>2021-05-25</a:t>
             </a:fld>
             <a:endParaRPr lang="ko-KR" altLang="en-US">
               <a:solidFill>
@@ -1875,7 +1875,7 @@
                 </a:solidFill>
               </a:rPr>
               <a:pPr/>
-              <a:t>2021-05-17</a:t>
+              <a:t>2021-05-25</a:t>
             </a:fld>
             <a:endParaRPr lang="ko-KR" altLang="en-US">
               <a:solidFill>
@@ -2024,7 +2024,7 @@
                 </a:solidFill>
               </a:rPr>
               <a:pPr/>
-              <a:t>2021-05-17</a:t>
+              <a:t>2021-05-25</a:t>
             </a:fld>
             <a:endParaRPr lang="ko-KR" altLang="en-US">
               <a:solidFill>
@@ -2151,7 +2151,7 @@
                 </a:solidFill>
               </a:rPr>
               <a:pPr/>
-              <a:t>2021-05-17</a:t>
+              <a:t>2021-05-25</a:t>
             </a:fld>
             <a:endParaRPr lang="ko-KR" altLang="en-US">
               <a:solidFill>
@@ -2458,7 +2458,7 @@
                 </a:solidFill>
               </a:rPr>
               <a:pPr/>
-              <a:t>2021-05-17</a:t>
+              <a:t>2021-05-25</a:t>
             </a:fld>
             <a:endParaRPr lang="ko-KR" altLang="en-US">
               <a:solidFill>
@@ -2742,7 +2742,7 @@
                 </a:solidFill>
               </a:rPr>
               <a:pPr/>
-              <a:t>2021-05-17</a:t>
+              <a:t>2021-05-25</a:t>
             </a:fld>
             <a:endParaRPr lang="ko-KR" altLang="en-US">
               <a:solidFill>
@@ -2985,7 +2985,7 @@
                 </a:solidFill>
               </a:rPr>
               <a:pPr/>
-              <a:t>2021-05-17</a:t>
+              <a:t>2021-05-25</a:t>
             </a:fld>
             <a:endParaRPr lang="ko-KR" altLang="en-US">
               <a:solidFill>
@@ -19492,7 +19492,7 @@
         </p:blipFill>
         <p:spPr>
           <a:xfrm>
-            <a:off x="4454581" y="3697557"/>
+            <a:off x="4279129" y="3722495"/>
             <a:ext cx="2495898" cy="1533739"/>
           </a:xfrm>
           <a:prstGeom prst="rect">
@@ -19713,7 +19713,7 @@
                   <a:srgbClr val="2574DB"/>
                 </a:solidFill>
               </a:rPr>
-              <a:t>(Heap) </a:t>
+              <a:t>(Heap)</a:t>
             </a:r>
             <a:r>
               <a:rPr lang="ko-KR" altLang="en-US" b="1" dirty="0">
@@ -20660,10 +20660,10 @@
       </p:sp>
       <p:pic>
         <p:nvPicPr>
-          <p:cNvPr id="29" name="그림 28" descr="텍스트이(가) 표시된 사진&#10;&#10;자동 생성된 설명">
+          <p:cNvPr id="23" name="그림 22" descr="텍스트이(가) 표시된 사진&#10;&#10;자동 생성된 설명">
             <a:extLst>
               <a:ext uri="{FF2B5EF4-FFF2-40B4-BE49-F238E27FC236}">
-                <a16:creationId xmlns:a16="http://schemas.microsoft.com/office/drawing/2014/main" id="{6E02087B-D31B-4517-977B-6C151ED0298D}"/>
+                <a16:creationId xmlns:a16="http://schemas.microsoft.com/office/drawing/2014/main" id="{1B5F0321-3595-451F-AB24-43249CA2D768}"/>
               </a:ext>
             </a:extLst>
           </p:cNvPr>
@@ -20686,8 +20686,8 @@
         </p:blipFill>
         <p:spPr>
           <a:xfrm>
-            <a:off x="370523" y="3855871"/>
-            <a:ext cx="3915321" cy="2010056"/>
+            <a:off x="952325" y="4127474"/>
+            <a:ext cx="2781300" cy="1466850"/>
           </a:xfrm>
           <a:prstGeom prst="rect">
             <a:avLst/>
@@ -21723,10 +21723,10 @@
       </p:grpSp>
       <p:pic>
         <p:nvPicPr>
-          <p:cNvPr id="4" name="그림 3" descr="텍스트이(가) 표시된 사진&#10;&#10;자동 생성된 설명">
+          <p:cNvPr id="7" name="그림 6">
             <a:extLst>
               <a:ext uri="{FF2B5EF4-FFF2-40B4-BE49-F238E27FC236}">
-                <a16:creationId xmlns:a16="http://schemas.microsoft.com/office/drawing/2014/main" id="{7518973C-5B6C-4FE6-A4CB-6734C965451A}"/>
+                <a16:creationId xmlns:a16="http://schemas.microsoft.com/office/drawing/2014/main" id="{64A4FF56-B1CD-4536-BBCA-12254CAB743B}"/>
               </a:ext>
             </a:extLst>
           </p:cNvPr>
@@ -21743,14 +21743,13 @@
               </a:ext>
             </a:extLst>
           </a:blip>
-          <a:stretch>
-            <a:fillRect/>
-          </a:stretch>
+          <a:srcRect/>
+          <a:stretch/>
         </p:blipFill>
         <p:spPr>
           <a:xfrm>
-            <a:off x="3957339" y="2094623"/>
-            <a:ext cx="4277322" cy="1495634"/>
+            <a:off x="3440231" y="1980821"/>
+            <a:ext cx="4722905" cy="2209800"/>
           </a:xfrm>
           <a:prstGeom prst="rect">
             <a:avLst/>
@@ -22786,10 +22785,10 @@
       </p:grpSp>
       <p:pic>
         <p:nvPicPr>
-          <p:cNvPr id="4" name="그림 3" descr="텍스트이(가) 표시된 사진&#10;&#10;자동 생성된 설명">
+          <p:cNvPr id="7" name="그림 6" descr="텍스트이(가) 표시된 사진&#10;&#10;자동 생성된 설명">
             <a:extLst>
               <a:ext uri="{FF2B5EF4-FFF2-40B4-BE49-F238E27FC236}">
-                <a16:creationId xmlns:a16="http://schemas.microsoft.com/office/drawing/2014/main" id="{7518973C-5B6C-4FE6-A4CB-6734C965451A}"/>
+                <a16:creationId xmlns:a16="http://schemas.microsoft.com/office/drawing/2014/main" id="{7973A219-31A8-421D-B16C-00DCB6D3BC47}"/>
               </a:ext>
             </a:extLst>
           </p:cNvPr>
@@ -22812,24 +22811,83 @@
         </p:blipFill>
         <p:spPr>
           <a:xfrm>
-            <a:off x="3957339" y="2094623"/>
-            <a:ext cx="4277322" cy="1495634"/>
+            <a:off x="3790557" y="1947692"/>
+            <a:ext cx="3971925" cy="2181225"/>
           </a:xfrm>
           <a:prstGeom prst="rect">
             <a:avLst/>
           </a:prstGeom>
-          <a:ln>
-            <a:noFill/>
-          </a:ln>
-          <a:effectLst>
-            <a:outerShdw blurRad="292100" dist="139700" dir="2700000" algn="tl" rotWithShape="0">
-              <a:srgbClr val="333333">
-                <a:alpha val="65000"/>
-              </a:srgbClr>
-            </a:outerShdw>
-          </a:effectLst>
         </p:spPr>
       </p:pic>
+      <p:sp>
+        <p:nvSpPr>
+          <p:cNvPr id="33" name="직사각형 32">
+            <a:extLst>
+              <a:ext uri="{FF2B5EF4-FFF2-40B4-BE49-F238E27FC236}">
+                <a16:creationId xmlns:a16="http://schemas.microsoft.com/office/drawing/2014/main" id="{910EBF25-067D-47C5-AF85-54B4F499F5AF}"/>
+              </a:ext>
+            </a:extLst>
+          </p:cNvPr>
+          <p:cNvSpPr/>
+          <p:nvPr/>
+        </p:nvSpPr>
+        <p:spPr>
+          <a:xfrm>
+            <a:off x="2418129" y="4328720"/>
+            <a:ext cx="911604" cy="562062"/>
+          </a:xfrm>
+          <a:prstGeom prst="rect">
+            <a:avLst/>
+          </a:prstGeom>
+          <a:solidFill>
+            <a:schemeClr val="accent6">
+              <a:lumMod val="60000"/>
+              <a:lumOff val="40000"/>
+            </a:schemeClr>
+          </a:solidFill>
+          <a:ln>
+            <a:solidFill>
+              <a:schemeClr val="tx2"/>
+            </a:solidFill>
+          </a:ln>
+        </p:spPr>
+        <p:style>
+          <a:lnRef idx="2">
+            <a:schemeClr val="accent1">
+              <a:shade val="50000"/>
+            </a:schemeClr>
+          </a:lnRef>
+          <a:fillRef idx="1">
+            <a:schemeClr val="accent1"/>
+          </a:fillRef>
+          <a:effectRef idx="0">
+            <a:schemeClr val="accent1"/>
+          </a:effectRef>
+          <a:fontRef idx="minor">
+            <a:schemeClr val="lt1"/>
+          </a:fontRef>
+        </p:style>
+        <p:txBody>
+          <a:bodyPr rtlCol="0" anchor="ctr"/>
+          <a:lstStyle/>
+          <a:p>
+            <a:pPr algn="ctr"/>
+            <a:r>
+              <a:rPr lang="en-US" altLang="ko-KR" dirty="0">
+                <a:solidFill>
+                  <a:schemeClr val="tx1"/>
+                </a:solidFill>
+              </a:rPr>
+              <a:t>temp</a:t>
+            </a:r>
+            <a:endParaRPr lang="ko-KR" altLang="en-US" dirty="0">
+              <a:solidFill>
+                <a:schemeClr val="tx1"/>
+              </a:solidFill>
+            </a:endParaRPr>
+          </a:p>
+        </p:txBody>
+      </p:sp>
     </p:spTree>
     <p:extLst>
       <p:ext uri="{BB962C8B-B14F-4D97-AF65-F5344CB8AC3E}">
